--- a/Aportes al power BI ferebro 2021.pptx
+++ b/Aportes al power BI ferebro 2021.pptx
@@ -108,6 +108,11 @@
       </a:defRPr>
     </a:lvl9pPr>
   </p:defaultTextStyle>
+  <p:extLst>
+    <p:ext uri="{EFAFB233-063F-42B5-8137-9DF3F51BA10A}">
+      <p15:sldGuideLst xmlns:p15="http://schemas.microsoft.com/office/powerpoint/2012/main"/>
+    </p:ext>
+  </p:extLst>
 </p:presentation>
 </file>
 
@@ -260,7 +265,7 @@
           <a:p>
             <a:fld id="{4235323D-C7FF-4D3E-A2C6-242AC2CD8F88}" type="datetimeFigureOut">
               <a:rPr lang="es-CL" smtClean="0"/>
-              <a:t>09-02-2021</a:t>
+              <a:t>25-02-2021</a:t>
             </a:fld>
             <a:endParaRPr lang="es-CL"/>
           </a:p>
@@ -460,7 +465,7 @@
           <a:p>
             <a:fld id="{4235323D-C7FF-4D3E-A2C6-242AC2CD8F88}" type="datetimeFigureOut">
               <a:rPr lang="es-CL" smtClean="0"/>
-              <a:t>09-02-2021</a:t>
+              <a:t>25-02-2021</a:t>
             </a:fld>
             <a:endParaRPr lang="es-CL"/>
           </a:p>
@@ -670,7 +675,7 @@
           <a:p>
             <a:fld id="{4235323D-C7FF-4D3E-A2C6-242AC2CD8F88}" type="datetimeFigureOut">
               <a:rPr lang="es-CL" smtClean="0"/>
-              <a:t>09-02-2021</a:t>
+              <a:t>25-02-2021</a:t>
             </a:fld>
             <a:endParaRPr lang="es-CL"/>
           </a:p>
@@ -870,7 +875,7 @@
           <a:p>
             <a:fld id="{4235323D-C7FF-4D3E-A2C6-242AC2CD8F88}" type="datetimeFigureOut">
               <a:rPr lang="es-CL" smtClean="0"/>
-              <a:t>09-02-2021</a:t>
+              <a:t>25-02-2021</a:t>
             </a:fld>
             <a:endParaRPr lang="es-CL"/>
           </a:p>
@@ -1146,7 +1151,7 @@
           <a:p>
             <a:fld id="{4235323D-C7FF-4D3E-A2C6-242AC2CD8F88}" type="datetimeFigureOut">
               <a:rPr lang="es-CL" smtClean="0"/>
-              <a:t>09-02-2021</a:t>
+              <a:t>25-02-2021</a:t>
             </a:fld>
             <a:endParaRPr lang="es-CL"/>
           </a:p>
@@ -1414,7 +1419,7 @@
           <a:p>
             <a:fld id="{4235323D-C7FF-4D3E-A2C6-242AC2CD8F88}" type="datetimeFigureOut">
               <a:rPr lang="es-CL" smtClean="0"/>
-              <a:t>09-02-2021</a:t>
+              <a:t>25-02-2021</a:t>
             </a:fld>
             <a:endParaRPr lang="es-CL"/>
           </a:p>
@@ -1829,7 +1834,7 @@
           <a:p>
             <a:fld id="{4235323D-C7FF-4D3E-A2C6-242AC2CD8F88}" type="datetimeFigureOut">
               <a:rPr lang="es-CL" smtClean="0"/>
-              <a:t>09-02-2021</a:t>
+              <a:t>25-02-2021</a:t>
             </a:fld>
             <a:endParaRPr lang="es-CL"/>
           </a:p>
@@ -1971,7 +1976,7 @@
           <a:p>
             <a:fld id="{4235323D-C7FF-4D3E-A2C6-242AC2CD8F88}" type="datetimeFigureOut">
               <a:rPr lang="es-CL" smtClean="0"/>
-              <a:t>09-02-2021</a:t>
+              <a:t>25-02-2021</a:t>
             </a:fld>
             <a:endParaRPr lang="es-CL"/>
           </a:p>
@@ -2084,7 +2089,7 @@
           <a:p>
             <a:fld id="{4235323D-C7FF-4D3E-A2C6-242AC2CD8F88}" type="datetimeFigureOut">
               <a:rPr lang="es-CL" smtClean="0"/>
-              <a:t>09-02-2021</a:t>
+              <a:t>25-02-2021</a:t>
             </a:fld>
             <a:endParaRPr lang="es-CL"/>
           </a:p>
@@ -2397,7 +2402,7 @@
           <a:p>
             <a:fld id="{4235323D-C7FF-4D3E-A2C6-242AC2CD8F88}" type="datetimeFigureOut">
               <a:rPr lang="es-CL" smtClean="0"/>
-              <a:t>09-02-2021</a:t>
+              <a:t>25-02-2021</a:t>
             </a:fld>
             <a:endParaRPr lang="es-CL"/>
           </a:p>
@@ -2686,7 +2691,7 @@
           <a:p>
             <a:fld id="{4235323D-C7FF-4D3E-A2C6-242AC2CD8F88}" type="datetimeFigureOut">
               <a:rPr lang="es-CL" smtClean="0"/>
-              <a:t>09-02-2021</a:t>
+              <a:t>25-02-2021</a:t>
             </a:fld>
             <a:endParaRPr lang="es-CL"/>
           </a:p>
@@ -2929,7 +2934,7 @@
           <a:p>
             <a:fld id="{4235323D-C7FF-4D3E-A2C6-242AC2CD8F88}" type="datetimeFigureOut">
               <a:rPr lang="es-CL" smtClean="0"/>
-              <a:t>09-02-2021</a:t>
+              <a:t>25-02-2021</a:t>
             </a:fld>
             <a:endParaRPr lang="es-CL"/>
           </a:p>
@@ -3464,8 +3469,8 @@
         </p:blipFill>
         <p:spPr>
           <a:xfrm>
-            <a:off x="232229" y="1020038"/>
-            <a:ext cx="5965371" cy="3353883"/>
+            <a:off x="0" y="596"/>
+            <a:ext cx="6572282" cy="3695104"/>
           </a:xfrm>
           <a:prstGeom prst="rect">
             <a:avLst/>
@@ -3494,8 +3499,8 @@
         </p:blipFill>
         <p:spPr>
           <a:xfrm>
-            <a:off x="6937829" y="1424187"/>
-            <a:ext cx="4527690" cy="2545583"/>
+            <a:off x="6305111" y="3370512"/>
+            <a:ext cx="5797096" cy="3259276"/>
           </a:xfrm>
           <a:prstGeom prst="rect">
             <a:avLst/>
@@ -3516,8 +3521,8 @@
         </p:nvSpPr>
         <p:spPr>
           <a:xfrm>
-            <a:off x="1306286" y="5239657"/>
-            <a:ext cx="7692571" cy="923330"/>
+            <a:off x="232230" y="4026920"/>
+            <a:ext cx="5797096" cy="1200329"/>
           </a:xfrm>
           <a:prstGeom prst="rect">
             <a:avLst/>
